--- a/Aplikasi Quis Sambung Peribahasa.pptx
+++ b/Aplikasi Quis Sambung Peribahasa.pptx
@@ -14,6 +14,7 @@
     <p:sldId id="262" r:id="rId8"/>
     <p:sldId id="263" r:id="rId9"/>
     <p:sldId id="264" r:id="rId10"/>
+    <p:sldId id="265" r:id="rId11"/>
   </p:sldIdLst>
   <p:sldSz cx="9144000" cy="6858000" type="screen4x3"/>
   <p:notesSz cx="6858000" cy="9144000"/>
@@ -345,7 +346,7 @@
           <a:p>
             <a:fld id="{09AEDD30-E3F3-4F9B-8650-58722EC7E2E6}" type="datetimeFigureOut">
               <a:rPr lang="id-ID" smtClean="0"/>
-              <a:t>20/10/2014</a:t>
+              <a:t>27/10/2014</a:t>
             </a:fld>
             <a:endParaRPr lang="id-ID"/>
           </a:p>
@@ -558,7 +559,7 @@
           <a:p>
             <a:fld id="{09AEDD30-E3F3-4F9B-8650-58722EC7E2E6}" type="datetimeFigureOut">
               <a:rPr lang="id-ID" smtClean="0"/>
-              <a:t>20/10/2014</a:t>
+              <a:t>27/10/2014</a:t>
             </a:fld>
             <a:endParaRPr lang="id-ID"/>
           </a:p>
@@ -733,7 +734,7 @@
           <a:p>
             <a:fld id="{09AEDD30-E3F3-4F9B-8650-58722EC7E2E6}" type="datetimeFigureOut">
               <a:rPr lang="id-ID" smtClean="0"/>
-              <a:t>20/10/2014</a:t>
+              <a:t>27/10/2014</a:t>
             </a:fld>
             <a:endParaRPr lang="id-ID"/>
           </a:p>
@@ -898,7 +899,7 @@
           <a:p>
             <a:fld id="{09AEDD30-E3F3-4F9B-8650-58722EC7E2E6}" type="datetimeFigureOut">
               <a:rPr lang="id-ID" smtClean="0"/>
-              <a:t>20/10/2014</a:t>
+              <a:t>27/10/2014</a:t>
             </a:fld>
             <a:endParaRPr lang="id-ID"/>
           </a:p>
@@ -1182,7 +1183,7 @@
           <a:p>
             <a:fld id="{09AEDD30-E3F3-4F9B-8650-58722EC7E2E6}" type="datetimeFigureOut">
               <a:rPr lang="id-ID" smtClean="0"/>
-              <a:t>20/10/2014</a:t>
+              <a:t>27/10/2014</a:t>
             </a:fld>
             <a:endParaRPr lang="id-ID"/>
           </a:p>
@@ -1508,7 +1509,7 @@
           <a:p>
             <a:fld id="{09AEDD30-E3F3-4F9B-8650-58722EC7E2E6}" type="datetimeFigureOut">
               <a:rPr lang="id-ID" smtClean="0"/>
-              <a:t>20/10/2014</a:t>
+              <a:t>27/10/2014</a:t>
             </a:fld>
             <a:endParaRPr lang="id-ID"/>
           </a:p>
@@ -1933,7 +1934,7 @@
           <a:p>
             <a:fld id="{09AEDD30-E3F3-4F9B-8650-58722EC7E2E6}" type="datetimeFigureOut">
               <a:rPr lang="id-ID" smtClean="0"/>
-              <a:t>20/10/2014</a:t>
+              <a:t>27/10/2014</a:t>
             </a:fld>
             <a:endParaRPr lang="id-ID"/>
           </a:p>
@@ -2106,7 +2107,7 @@
           <a:p>
             <a:fld id="{09AEDD30-E3F3-4F9B-8650-58722EC7E2E6}" type="datetimeFigureOut">
               <a:rPr lang="id-ID" smtClean="0"/>
-              <a:t>20/10/2014</a:t>
+              <a:t>27/10/2014</a:t>
             </a:fld>
             <a:endParaRPr lang="id-ID"/>
           </a:p>
@@ -2196,7 +2197,7 @@
           <a:p>
             <a:fld id="{09AEDD30-E3F3-4F9B-8650-58722EC7E2E6}" type="datetimeFigureOut">
               <a:rPr lang="id-ID" smtClean="0"/>
-              <a:t>20/10/2014</a:t>
+              <a:t>27/10/2014</a:t>
             </a:fld>
             <a:endParaRPr lang="id-ID"/>
           </a:p>
@@ -2476,7 +2477,7 @@
           <a:p>
             <a:fld id="{09AEDD30-E3F3-4F9B-8650-58722EC7E2E6}" type="datetimeFigureOut">
               <a:rPr lang="id-ID" smtClean="0"/>
-              <a:t>20/10/2014</a:t>
+              <a:t>27/10/2014</a:t>
             </a:fld>
             <a:endParaRPr lang="id-ID"/>
           </a:p>
@@ -2775,7 +2776,7 @@
           <a:p>
             <a:fld id="{09AEDD30-E3F3-4F9B-8650-58722EC7E2E6}" type="datetimeFigureOut">
               <a:rPr lang="id-ID" smtClean="0"/>
-              <a:t>20/10/2014</a:t>
+              <a:t>27/10/2014</a:t>
             </a:fld>
             <a:endParaRPr lang="id-ID"/>
           </a:p>
@@ -2985,7 +2986,7 @@
           <a:p>
             <a:fld id="{09AEDD30-E3F3-4F9B-8650-58722EC7E2E6}" type="datetimeFigureOut">
               <a:rPr lang="id-ID" smtClean="0"/>
-              <a:t>20/10/2014</a:t>
+              <a:t>27/10/2014</a:t>
             </a:fld>
             <a:endParaRPr lang="id-ID"/>
           </a:p>
@@ -3551,10 +3552,18 @@
           <a:lstStyle/>
           <a:p>
             <a:r>
-              <a:rPr lang="id-ID" sz="6600" dirty="0" smtClean="0"/>
+              <a:rPr lang="id-ID" sz="6600" dirty="0" smtClean="0">
+                <a:solidFill>
+                  <a:schemeClr val="bg1"/>
+                </a:solidFill>
+              </a:rPr>
               <a:t>Aplikasi Quis Sambung Peribahasa</a:t>
             </a:r>
-            <a:endParaRPr lang="id-ID" sz="6600" dirty="0"/>
+            <a:endParaRPr lang="id-ID" sz="6600" dirty="0">
+              <a:solidFill>
+                <a:schemeClr val="bg1"/>
+              </a:solidFill>
+            </a:endParaRPr>
           </a:p>
         </p:txBody>
       </p:sp>
@@ -3607,6 +3616,90 @@
     <p:extLst>
       <p:ext uri="{BB962C8B-B14F-4D97-AF65-F5344CB8AC3E}">
         <p14:creationId xmlns:p14="http://schemas.microsoft.com/office/powerpoint/2010/main" val="112862521"/>
+      </p:ext>
+    </p:extLst>
+  </p:cSld>
+  <p:clrMapOvr>
+    <a:masterClrMapping/>
+  </p:clrMapOvr>
+  <p:timing>
+    <p:tnLst>
+      <p:par>
+        <p:cTn id="1" dur="indefinite" restart="never" nodeType="tmRoot"/>
+      </p:par>
+    </p:tnLst>
+  </p:timing>
+</p:sld>
+</file>
+
+<file path=ppt/slides/slide10.xml><?xml version="1.0" encoding="utf-8"?>
+<p:sld xmlns:a="http://schemas.openxmlformats.org/drawingml/2006/main" xmlns:r="http://schemas.openxmlformats.org/officeDocument/2006/relationships" xmlns:p="http://schemas.openxmlformats.org/presentationml/2006/main">
+  <p:cSld>
+    <p:spTree>
+      <p:nvGrpSpPr>
+        <p:cNvPr id="1" name=""/>
+        <p:cNvGrpSpPr/>
+        <p:nvPr/>
+      </p:nvGrpSpPr>
+      <p:grpSpPr>
+        <a:xfrm>
+          <a:off x="0" y="0"/>
+          <a:ext cx="0" cy="0"/>
+          <a:chOff x="0" y="0"/>
+          <a:chExt cx="0" cy="0"/>
+        </a:xfrm>
+      </p:grpSpPr>
+      <p:sp>
+        <p:nvSpPr>
+          <p:cNvPr id="2" name="Title 1"/>
+          <p:cNvSpPr>
+            <a:spLocks noGrp="1"/>
+          </p:cNvSpPr>
+          <p:nvPr>
+            <p:ph type="title"/>
+          </p:nvPr>
+        </p:nvSpPr>
+        <p:spPr>
+          <a:xfrm>
+            <a:off x="1043608" y="2276872"/>
+            <a:ext cx="6781800" cy="1600200"/>
+          </a:xfrm>
+        </p:spPr>
+        <p:txBody>
+          <a:bodyPr/>
+          <a:lstStyle/>
+          <a:p>
+            <a:r>
+              <a:rPr lang="id-ID" dirty="0" smtClean="0"/>
+              <a:t>TERIMAKASIH</a:t>
+            </a:r>
+            <a:endParaRPr lang="id-ID" dirty="0"/>
+          </a:p>
+        </p:txBody>
+      </p:sp>
+      <p:sp>
+        <p:nvSpPr>
+          <p:cNvPr id="3" name="Content Placeholder 2"/>
+          <p:cNvSpPr>
+            <a:spLocks noGrp="1"/>
+          </p:cNvSpPr>
+          <p:nvPr>
+            <p:ph idx="1"/>
+          </p:nvPr>
+        </p:nvSpPr>
+        <p:spPr/>
+        <p:txBody>
+          <a:bodyPr/>
+          <a:lstStyle/>
+          <a:p>
+            <a:endParaRPr lang="id-ID" dirty="0"/>
+          </a:p>
+        </p:txBody>
+      </p:sp>
+    </p:spTree>
+    <p:extLst>
+      <p:ext uri="{BB962C8B-B14F-4D97-AF65-F5344CB8AC3E}">
+        <p14:creationId xmlns:p14="http://schemas.microsoft.com/office/powerpoint/2010/main" val="3026933637"/>
       </p:ext>
     </p:extLst>
   </p:cSld>
@@ -3745,7 +3838,15 @@
             </a:r>
             <a:r>
               <a:rPr lang="id-ID" dirty="0"/>
-              <a:t>Aplikasi ini merupakan aplikasi quis yang menarik dan memberikan pengetahuan baru kepada user sehingga user mendapat pembendaharaan peribahasa.</a:t>
+              <a:t>Aplikasi ini merupakan aplikasi quis yang menarik dan memberikan pengetahuan baru kepada user sehingga user mendapat </a:t>
+            </a:r>
+            <a:r>
+              <a:rPr lang="id-ID" dirty="0" smtClean="0"/>
+              <a:t>banyak pembendaharaan </a:t>
+            </a:r>
+            <a:r>
+              <a:rPr lang="id-ID" dirty="0"/>
+              <a:t>peribahasa.</a:t>
             </a:r>
             <a:endParaRPr lang="id-ID" i="1" dirty="0"/>
           </a:p>
@@ -3834,14 +3935,14 @@
             <p:ph idx="1"/>
             <p:extLst>
               <p:ext uri="{D42A27DB-BD31-4B8C-83A1-F6EECF244321}">
-                <p14:modId xmlns:p14="http://schemas.microsoft.com/office/powerpoint/2010/main" val="208894105"/>
+                <p14:modId xmlns:p14="http://schemas.microsoft.com/office/powerpoint/2010/main" val="1158661326"/>
               </p:ext>
             </p:extLst>
           </p:nvPr>
         </p:nvGraphicFramePr>
         <p:xfrm>
           <a:off x="1403648" y="1484784"/>
-          <a:ext cx="6063183" cy="4365468"/>
+          <a:ext cx="6063183" cy="2903610"/>
         </p:xfrm>
         <a:graphic>
           <a:graphicData uri="http://schemas.openxmlformats.org/drawingml/2006/table">
@@ -3955,24 +4056,24 @@
                         </a:spcAft>
                       </a:pPr>
                       <a:r>
-                        <a:rPr lang="id-ID" sz="1200">
+                        <a:rPr lang="id-ID" sz="1200" dirty="0">
                           <a:effectLst/>
                         </a:rPr>
                         <a:t>AQSP</a:t>
                       </a:r>
                       <a:r>
-                        <a:rPr lang="en-GB" sz="1200">
+                        <a:rPr lang="en-GB" sz="1200" dirty="0">
                           <a:effectLst/>
                         </a:rPr>
                         <a:t>-F-</a:t>
                       </a:r>
                       <a:r>
-                        <a:rPr lang="id-ID" sz="1200">
+                        <a:rPr lang="id-ID" sz="1200" dirty="0" smtClean="0">
                           <a:effectLst/>
                         </a:rPr>
                         <a:t>01</a:t>
                       </a:r>
-                      <a:endParaRPr lang="id-ID" sz="1000">
+                      <a:endParaRPr lang="id-ID" sz="1000" dirty="0">
                         <a:effectLst/>
                         <a:latin typeface="Times New Roman"/>
                         <a:ea typeface="Times New Roman"/>
@@ -3995,12 +4096,18 @@
                         </a:spcAft>
                       </a:pPr>
                       <a:r>
-                        <a:rPr lang="en-GB" sz="1200">
-                          <a:effectLst/>
-                        </a:rPr>
-                        <a:t>Sistem dapat menampilkan tampilan awal</a:t>
-                      </a:r>
-                      <a:endParaRPr lang="id-ID" sz="1000">
+                        <a:rPr lang="en-GB" sz="1200" dirty="0" err="1" smtClean="0">
+                          <a:effectLst/>
+                        </a:rPr>
+                        <a:t>Sistem</a:t>
+                      </a:r>
+                      <a:r>
+                        <a:rPr lang="id-ID" sz="1200" baseline="0" dirty="0" smtClean="0">
+                          <a:effectLst/>
+                        </a:rPr>
+                        <a:t> dapat memberikan menu pilihan</a:t>
+                      </a:r>
+                      <a:endParaRPr lang="id-ID" sz="1000" dirty="0">
                         <a:effectLst/>
                         <a:latin typeface="Times New Roman"/>
                         <a:ea typeface="Times New Roman"/>
@@ -4023,18 +4130,164 @@
                         </a:spcAft>
                       </a:pPr>
                       <a:r>
-                        <a:rPr lang="id-ID" sz="1200">
-                          <a:effectLst/>
-                        </a:rPr>
-                        <a:t>Sistem dapat </a:t>
-                      </a:r>
-                      <a:r>
-                        <a:rPr lang="en-US" sz="1200">
-                          <a:effectLst/>
-                        </a:rPr>
-                        <a:t>menampilkan tampilan awal ketika masuk kedalam aplikasi</a:t>
-                      </a:r>
-                      <a:endParaRPr lang="id-ID" sz="1000">
+                        <a:rPr lang="id-ID" sz="1200" dirty="0">
+                          <a:effectLst/>
+                        </a:rPr>
+                        <a:t>Sistem menyediakan layanan untuk </a:t>
+                      </a:r>
+                      <a:r>
+                        <a:rPr lang="en-US" sz="1200" dirty="0" err="1">
+                          <a:effectLst/>
+                        </a:rPr>
+                        <a:t>pemilihan</a:t>
+                      </a:r>
+                      <a:r>
+                        <a:rPr lang="en-US" sz="1200" dirty="0">
+                          <a:effectLst/>
+                        </a:rPr>
+                        <a:t> </a:t>
+                      </a:r>
+                      <a:r>
+                        <a:rPr lang="en-US" sz="1200" dirty="0" smtClean="0">
+                          <a:effectLst/>
+                        </a:rPr>
+                        <a:t>menu</a:t>
+                      </a:r>
+                      <a:r>
+                        <a:rPr lang="id-ID" sz="1200" dirty="0" smtClean="0">
+                          <a:effectLst/>
+                        </a:rPr>
+                        <a:t>  kepada user yang akan</a:t>
+                      </a:r>
+                      <a:r>
+                        <a:rPr lang="id-ID" sz="1200" baseline="0" dirty="0" smtClean="0">
+                          <a:effectLst/>
+                        </a:rPr>
+                        <a:t> bermain</a:t>
+                      </a:r>
+                      <a:endParaRPr lang="id-ID" sz="1000" dirty="0">
+                        <a:effectLst/>
+                        <a:latin typeface="Times New Roman"/>
+                        <a:ea typeface="Times New Roman"/>
+                      </a:endParaRPr>
+                    </a:p>
+                  </a:txBody>
+                  <a:tcPr marL="68580" marR="68580" marT="0" marB="0"/>
+                </a:tc>
+              </a:tr>
+              <a:tr h="480584">
+                <a:tc>
+                  <a:txBody>
+                    <a:bodyPr/>
+                    <a:lstStyle/>
+                    <a:p>
+                      <a:pPr algn="just">
+                        <a:lnSpc>
+                          <a:spcPct val="115000"/>
+                        </a:lnSpc>
+                        <a:spcAft>
+                          <a:spcPts val="0"/>
+                        </a:spcAft>
+                      </a:pPr>
+                      <a:r>
+                        <a:rPr lang="id-ID" sz="1200" dirty="0">
+                          <a:effectLst/>
+                        </a:rPr>
+                        <a:t>AQSP</a:t>
+                      </a:r>
+                      <a:r>
+                        <a:rPr lang="en-GB" sz="1200" dirty="0">
+                          <a:effectLst/>
+                        </a:rPr>
+                        <a:t>-F-</a:t>
+                      </a:r>
+                      <a:r>
+                        <a:rPr lang="id-ID" sz="1200" dirty="0" smtClean="0">
+                          <a:effectLst/>
+                        </a:rPr>
+                        <a:t>02</a:t>
+                      </a:r>
+                      <a:endParaRPr lang="id-ID" sz="1000" dirty="0">
+                        <a:effectLst/>
+                        <a:latin typeface="Times New Roman"/>
+                        <a:ea typeface="Times New Roman"/>
+                      </a:endParaRPr>
+                    </a:p>
+                  </a:txBody>
+                  <a:tcPr marL="68580" marR="68580" marT="0" marB="0"/>
+                </a:tc>
+                <a:tc>
+                  <a:txBody>
+                    <a:bodyPr/>
+                    <a:lstStyle/>
+                    <a:p>
+                      <a:pPr algn="just">
+                        <a:lnSpc>
+                          <a:spcPct val="115000"/>
+                        </a:lnSpc>
+                        <a:spcAft>
+                          <a:spcPts val="0"/>
+                        </a:spcAft>
+                      </a:pPr>
+                      <a:r>
+                        <a:rPr lang="en-GB" sz="1200" dirty="0" err="1">
+                          <a:effectLst/>
+                        </a:rPr>
+                        <a:t>Sistem</a:t>
+                      </a:r>
+                      <a:r>
+                        <a:rPr lang="en-GB" sz="1200" dirty="0">
+                          <a:effectLst/>
+                        </a:rPr>
+                        <a:t> </a:t>
+                      </a:r>
+                      <a:r>
+                        <a:rPr lang="en-GB" sz="1200" dirty="0" err="1">
+                          <a:effectLst/>
+                        </a:rPr>
+                        <a:t>dapat</a:t>
+                      </a:r>
+                      <a:r>
+                        <a:rPr lang="en-GB" sz="1200" dirty="0">
+                          <a:effectLst/>
+                        </a:rPr>
+                        <a:t> </a:t>
+                      </a:r>
+                      <a:r>
+                        <a:rPr lang="id-ID" sz="1200" dirty="0">
+                          <a:effectLst/>
+                        </a:rPr>
+                        <a:t>mengecek Jawaban</a:t>
+                      </a:r>
+                      <a:endParaRPr lang="id-ID" sz="1000" dirty="0">
+                        <a:effectLst/>
+                        <a:latin typeface="Times New Roman"/>
+                        <a:ea typeface="Times New Roman"/>
+                      </a:endParaRPr>
+                    </a:p>
+                  </a:txBody>
+                  <a:tcPr marL="68580" marR="68580" marT="0" marB="0"/>
+                </a:tc>
+                <a:tc>
+                  <a:txBody>
+                    <a:bodyPr/>
+                    <a:lstStyle/>
+                    <a:p>
+                      <a:pPr algn="just">
+                        <a:lnSpc>
+                          <a:spcPct val="115000"/>
+                        </a:lnSpc>
+                        <a:spcAft>
+                          <a:spcPts val="0"/>
+                        </a:spcAft>
+                      </a:pPr>
+                      <a:r>
+                        <a:rPr lang="id-ID" sz="1200" dirty="0">
+                          <a:effectLst/>
+                        </a:rPr>
+                        <a:t>Sistem dapat mengecek Jawaban Pemain Apakah benar atau Salah</a:t>
+                      </a:r>
+                      <a:endParaRPr lang="id-ID" sz="1000" dirty="0">
                         <a:effectLst/>
                         <a:latin typeface="Times New Roman"/>
                         <a:ea typeface="Times New Roman"/>
@@ -4059,24 +4312,24 @@
                         </a:spcAft>
                       </a:pPr>
                       <a:r>
-                        <a:rPr lang="id-ID" sz="1200">
+                        <a:rPr lang="id-ID" sz="1200" dirty="0">
                           <a:effectLst/>
                         </a:rPr>
                         <a:t>AQSP</a:t>
                       </a:r>
                       <a:r>
-                        <a:rPr lang="en-GB" sz="1200">
+                        <a:rPr lang="en-GB" sz="1200" dirty="0">
                           <a:effectLst/>
                         </a:rPr>
                         <a:t>-F-</a:t>
                       </a:r>
                       <a:r>
-                        <a:rPr lang="id-ID" sz="1200">
-                          <a:effectLst/>
-                        </a:rPr>
-                        <a:t>02</a:t>
-                      </a:r>
-                      <a:endParaRPr lang="id-ID" sz="1000">
+                        <a:rPr lang="id-ID" sz="1200" dirty="0" smtClean="0">
+                          <a:effectLst/>
+                        </a:rPr>
+                        <a:t>03</a:t>
+                      </a:r>
+                      <a:endParaRPr lang="id-ID" sz="1000" dirty="0">
                         <a:effectLst/>
                         <a:latin typeface="Times New Roman"/>
                         <a:ea typeface="Times New Roman"/>
@@ -4099,12 +4352,48 @@
                         </a:spcAft>
                       </a:pPr>
                       <a:r>
-                        <a:rPr lang="en-GB" sz="1200">
-                          <a:effectLst/>
-                        </a:rPr>
-                        <a:t>Sistem dapat menampilkan Form pemilihan menu</a:t>
-                      </a:r>
-                      <a:endParaRPr lang="id-ID" sz="1000">
+                        <a:rPr lang="en-GB" sz="1200" dirty="0" err="1">
+                          <a:effectLst/>
+                        </a:rPr>
+                        <a:t>Sistem</a:t>
+                      </a:r>
+                      <a:r>
+                        <a:rPr lang="en-GB" sz="1200" dirty="0">
+                          <a:effectLst/>
+                        </a:rPr>
+                        <a:t> </a:t>
+                      </a:r>
+                      <a:r>
+                        <a:rPr lang="en-GB" sz="1200" dirty="0" err="1">
+                          <a:effectLst/>
+                        </a:rPr>
+                        <a:t>dapat</a:t>
+                      </a:r>
+                      <a:r>
+                        <a:rPr lang="en-GB" sz="1200" dirty="0">
+                          <a:effectLst/>
+                        </a:rPr>
+                        <a:t> </a:t>
+                      </a:r>
+                      <a:r>
+                        <a:rPr lang="en-GB" sz="1200" dirty="0" err="1">
+                          <a:effectLst/>
+                        </a:rPr>
+                        <a:t>menampilkan</a:t>
+                      </a:r>
+                      <a:r>
+                        <a:rPr lang="en-GB" sz="1200" dirty="0">
+                          <a:effectLst/>
+                        </a:rPr>
+                        <a:t> Form </a:t>
+                      </a:r>
+                      <a:r>
+                        <a:rPr lang="id-ID" sz="1200" dirty="0">
+                          <a:effectLst/>
+                        </a:rPr>
+                        <a:t>Tentang</a:t>
+                      </a:r>
+                      <a:endParaRPr lang="id-ID" sz="1000" dirty="0">
                         <a:effectLst/>
                         <a:latin typeface="Times New Roman"/>
                         <a:ea typeface="Times New Roman"/>
@@ -4127,18 +4416,24 @@
                         </a:spcAft>
                       </a:pPr>
                       <a:r>
-                        <a:rPr lang="id-ID" sz="1200">
-                          <a:effectLst/>
-                        </a:rPr>
-                        <a:t>Sistem menyediakan layanan untuk </a:t>
-                      </a:r>
-                      <a:r>
-                        <a:rPr lang="en-US" sz="1200">
-                          <a:effectLst/>
-                        </a:rPr>
-                        <a:t>pemilihan menu</a:t>
-                      </a:r>
-                      <a:endParaRPr lang="id-ID" sz="1000">
+                        <a:rPr lang="id-ID" sz="1200" dirty="0">
+                          <a:effectLst/>
+                        </a:rPr>
+                        <a:t>Sistem dapat </a:t>
+                      </a:r>
+                      <a:r>
+                        <a:rPr lang="id-ID" sz="1200" dirty="0" smtClean="0">
+                          <a:effectLst/>
+                        </a:rPr>
+                        <a:t>menampilkan tentang</a:t>
+                      </a:r>
+                      <a:r>
+                        <a:rPr lang="id-ID" sz="1200" baseline="0" dirty="0" smtClean="0">
+                          <a:effectLst/>
+                        </a:rPr>
+                        <a:t> aplikasi sambung peribahasa ini</a:t>
+                      </a:r>
+                      <a:endParaRPr lang="id-ID" sz="1000" dirty="0">
                         <a:effectLst/>
                         <a:latin typeface="Times New Roman"/>
                         <a:ea typeface="Times New Roman"/>
@@ -4175,10 +4470,10 @@
                         <a:t>-F-</a:t>
                       </a:r>
                       <a:r>
-                        <a:rPr lang="id-ID" sz="1200" dirty="0">
-                          <a:effectLst/>
-                        </a:rPr>
-                        <a:t>03</a:t>
+                        <a:rPr lang="id-ID" sz="1200" dirty="0" smtClean="0">
+                          <a:effectLst/>
+                        </a:rPr>
+                        <a:t>04</a:t>
                       </a:r>
                       <a:endParaRPr lang="id-ID" sz="1000" dirty="0">
                         <a:effectLst/>
@@ -4203,18 +4498,48 @@
                         </a:spcAft>
                       </a:pPr>
                       <a:r>
-                        <a:rPr lang="en-GB" sz="1200">
-                          <a:effectLst/>
-                        </a:rPr>
-                        <a:t>Sistem dapat menampilkan Form </a:t>
-                      </a:r>
-                      <a:r>
-                        <a:rPr lang="id-ID" sz="1200">
-                          <a:effectLst/>
-                        </a:rPr>
-                        <a:t>Memulai Permaianan</a:t>
-                      </a:r>
-                      <a:endParaRPr lang="id-ID" sz="1000">
+                        <a:rPr lang="en-GB" sz="1200" dirty="0" err="1">
+                          <a:effectLst/>
+                        </a:rPr>
+                        <a:t>Sistem</a:t>
+                      </a:r>
+                      <a:r>
+                        <a:rPr lang="en-GB" sz="1200" dirty="0">
+                          <a:effectLst/>
+                        </a:rPr>
+                        <a:t> </a:t>
+                      </a:r>
+                      <a:r>
+                        <a:rPr lang="en-GB" sz="1200" dirty="0" err="1">
+                          <a:effectLst/>
+                        </a:rPr>
+                        <a:t>dapat</a:t>
+                      </a:r>
+                      <a:r>
+                        <a:rPr lang="en-GB" sz="1200" dirty="0">
+                          <a:effectLst/>
+                        </a:rPr>
+                        <a:t> </a:t>
+                      </a:r>
+                      <a:r>
+                        <a:rPr lang="en-GB" sz="1200" dirty="0" err="1">
+                          <a:effectLst/>
+                        </a:rPr>
+                        <a:t>menampilkan</a:t>
+                      </a:r>
+                      <a:r>
+                        <a:rPr lang="en-GB" sz="1200" dirty="0">
+                          <a:effectLst/>
+                        </a:rPr>
+                        <a:t> </a:t>
+                      </a:r>
+                      <a:r>
+                        <a:rPr lang="id-ID" sz="1200" dirty="0">
+                          <a:effectLst/>
+                        </a:rPr>
+                        <a:t>Form Pengaturan</a:t>
+                      </a:r>
+                      <a:endParaRPr lang="id-ID" sz="1000" dirty="0">
                         <a:effectLst/>
                         <a:latin typeface="Times New Roman"/>
                         <a:ea typeface="Times New Roman"/>
@@ -4237,346 +4562,34 @@
                         </a:spcAft>
                       </a:pPr>
                       <a:r>
-                        <a:rPr lang="id-ID" sz="1200">
+                        <a:rPr lang="id-ID" sz="1200" dirty="0">
                           <a:effectLst/>
                         </a:rPr>
                         <a:t>Sistem dapat </a:t>
                       </a:r>
                       <a:r>
-                        <a:rPr lang="en-US" sz="1200">
-                          <a:effectLst/>
-                        </a:rPr>
-                        <a:t>menyediakan</a:t>
-                      </a:r>
-                      <a:r>
-                        <a:rPr lang="id-ID" sz="1200">
-                          <a:effectLst/>
-                        </a:rPr>
-                        <a:t> Soal Untuk Quis</a:t>
-                      </a:r>
-                      <a:endParaRPr lang="id-ID" sz="1000">
-                        <a:effectLst/>
-                        <a:latin typeface="Times New Roman"/>
-                        <a:ea typeface="Times New Roman"/>
-                      </a:endParaRPr>
-                    </a:p>
-                  </a:txBody>
-                  <a:tcPr marL="68580" marR="68580" marT="0" marB="0"/>
-                </a:tc>
-              </a:tr>
-              <a:tr h="480584">
-                <a:tc>
-                  <a:txBody>
-                    <a:bodyPr/>
-                    <a:lstStyle/>
-                    <a:p>
-                      <a:pPr algn="just">
-                        <a:lnSpc>
-                          <a:spcPct val="115000"/>
-                        </a:lnSpc>
-                        <a:spcAft>
-                          <a:spcPts val="0"/>
-                        </a:spcAft>
-                      </a:pPr>
-                      <a:r>
-                        <a:rPr lang="id-ID" sz="1200">
-                          <a:effectLst/>
-                        </a:rPr>
-                        <a:t>AQSP</a:t>
-                      </a:r>
-                      <a:r>
-                        <a:rPr lang="en-GB" sz="1200">
-                          <a:effectLst/>
-                        </a:rPr>
-                        <a:t>-F-</a:t>
-                      </a:r>
-                      <a:r>
-                        <a:rPr lang="id-ID" sz="1200">
-                          <a:effectLst/>
-                        </a:rPr>
-                        <a:t>04</a:t>
-                      </a:r>
-                      <a:endParaRPr lang="id-ID" sz="1000">
-                        <a:effectLst/>
-                        <a:latin typeface="Times New Roman"/>
-                        <a:ea typeface="Times New Roman"/>
-                      </a:endParaRPr>
-                    </a:p>
-                  </a:txBody>
-                  <a:tcPr marL="68580" marR="68580" marT="0" marB="0"/>
-                </a:tc>
-                <a:tc>
-                  <a:txBody>
-                    <a:bodyPr/>
-                    <a:lstStyle/>
-                    <a:p>
-                      <a:pPr algn="just">
-                        <a:lnSpc>
-                          <a:spcPct val="115000"/>
-                        </a:lnSpc>
-                        <a:spcAft>
-                          <a:spcPts val="0"/>
-                        </a:spcAft>
-                      </a:pPr>
-                      <a:r>
-                        <a:rPr lang="en-GB" sz="1200">
-                          <a:effectLst/>
-                        </a:rPr>
-                        <a:t>Sistem dapat </a:t>
-                      </a:r>
-                      <a:r>
-                        <a:rPr lang="id-ID" sz="1200">
-                          <a:effectLst/>
-                        </a:rPr>
-                        <a:t>mengecek Jawaban</a:t>
-                      </a:r>
-                      <a:endParaRPr lang="id-ID" sz="1000">
-                        <a:effectLst/>
-                        <a:latin typeface="Times New Roman"/>
-                        <a:ea typeface="Times New Roman"/>
-                      </a:endParaRPr>
-                    </a:p>
-                  </a:txBody>
-                  <a:tcPr marL="68580" marR="68580" marT="0" marB="0"/>
-                </a:tc>
-                <a:tc>
-                  <a:txBody>
-                    <a:bodyPr/>
-                    <a:lstStyle/>
-                    <a:p>
-                      <a:pPr algn="just">
-                        <a:lnSpc>
-                          <a:spcPct val="115000"/>
-                        </a:lnSpc>
-                        <a:spcAft>
-                          <a:spcPts val="0"/>
-                        </a:spcAft>
-                      </a:pPr>
-                      <a:r>
-                        <a:rPr lang="id-ID" sz="1200">
-                          <a:effectLst/>
-                        </a:rPr>
-                        <a:t>Sistem dapat mengecek Jawaban Pemain Apakah benar atau Salah</a:t>
-                      </a:r>
-                      <a:endParaRPr lang="id-ID" sz="1000">
-                        <a:effectLst/>
-                        <a:latin typeface="Times New Roman"/>
-                        <a:ea typeface="Times New Roman"/>
-                      </a:endParaRPr>
-                    </a:p>
-                  </a:txBody>
-                  <a:tcPr marL="68580" marR="68580" marT="0" marB="0"/>
-                </a:tc>
-              </a:tr>
-              <a:tr h="730929">
-                <a:tc>
-                  <a:txBody>
-                    <a:bodyPr/>
-                    <a:lstStyle/>
-                    <a:p>
-                      <a:pPr algn="just">
-                        <a:lnSpc>
-                          <a:spcPct val="115000"/>
-                        </a:lnSpc>
-                        <a:spcAft>
-                          <a:spcPts val="0"/>
-                        </a:spcAft>
-                      </a:pPr>
-                      <a:r>
-                        <a:rPr lang="id-ID" sz="1200">
-                          <a:effectLst/>
-                        </a:rPr>
-                        <a:t>AQSP</a:t>
-                      </a:r>
-                      <a:r>
-                        <a:rPr lang="en-GB" sz="1200">
-                          <a:effectLst/>
-                        </a:rPr>
-                        <a:t>-F-</a:t>
-                      </a:r>
-                      <a:r>
-                        <a:rPr lang="id-ID" sz="1200">
-                          <a:effectLst/>
-                        </a:rPr>
-                        <a:t>05</a:t>
-                      </a:r>
-                      <a:endParaRPr lang="id-ID" sz="1000">
-                        <a:effectLst/>
-                        <a:latin typeface="Times New Roman"/>
-                        <a:ea typeface="Times New Roman"/>
-                      </a:endParaRPr>
-                    </a:p>
-                  </a:txBody>
-                  <a:tcPr marL="68580" marR="68580" marT="0" marB="0"/>
-                </a:tc>
-                <a:tc>
-                  <a:txBody>
-                    <a:bodyPr/>
-                    <a:lstStyle/>
-                    <a:p>
-                      <a:pPr algn="just">
-                        <a:lnSpc>
-                          <a:spcPct val="115000"/>
-                        </a:lnSpc>
-                        <a:spcAft>
-                          <a:spcPts val="0"/>
-                        </a:spcAft>
-                      </a:pPr>
-                      <a:r>
-                        <a:rPr lang="en-GB" sz="1200">
-                          <a:effectLst/>
-                        </a:rPr>
-                        <a:t>Sistem dapat menampilkan Form </a:t>
-                      </a:r>
-                      <a:r>
-                        <a:rPr lang="id-ID" sz="1200">
-                          <a:effectLst/>
-                        </a:rPr>
-                        <a:t>Tentang</a:t>
-                      </a:r>
-                      <a:endParaRPr lang="id-ID" sz="1000">
-                        <a:effectLst/>
-                        <a:latin typeface="Times New Roman"/>
-                        <a:ea typeface="Times New Roman"/>
-                      </a:endParaRPr>
-                    </a:p>
-                  </a:txBody>
-                  <a:tcPr marL="68580" marR="68580" marT="0" marB="0"/>
-                </a:tc>
-                <a:tc>
-                  <a:txBody>
-                    <a:bodyPr/>
-                    <a:lstStyle/>
-                    <a:p>
-                      <a:pPr algn="just">
-                        <a:lnSpc>
-                          <a:spcPct val="115000"/>
-                        </a:lnSpc>
-                        <a:spcAft>
-                          <a:spcPts val="0"/>
-                        </a:spcAft>
-                      </a:pPr>
-                      <a:r>
-                        <a:rPr lang="id-ID" sz="1200">
-                          <a:effectLst/>
-                        </a:rPr>
-                        <a:t>Sistem dapat </a:t>
-                      </a:r>
-                      <a:endParaRPr lang="id-ID" sz="1000">
-                        <a:effectLst/>
-                        <a:latin typeface="Times New Roman"/>
-                        <a:ea typeface="Times New Roman"/>
-                      </a:endParaRPr>
-                    </a:p>
-                  </a:txBody>
-                  <a:tcPr marL="68580" marR="68580" marT="0" marB="0"/>
-                </a:tc>
-              </a:tr>
-              <a:tr h="730929">
-                <a:tc>
-                  <a:txBody>
-                    <a:bodyPr/>
-                    <a:lstStyle/>
-                    <a:p>
-                      <a:pPr algn="just">
-                        <a:lnSpc>
-                          <a:spcPct val="115000"/>
-                        </a:lnSpc>
-                        <a:spcAft>
-                          <a:spcPts val="0"/>
-                        </a:spcAft>
-                      </a:pPr>
-                      <a:r>
-                        <a:rPr lang="id-ID" sz="1200">
-                          <a:effectLst/>
-                        </a:rPr>
-                        <a:t>AQSP</a:t>
-                      </a:r>
-                      <a:r>
-                        <a:rPr lang="en-GB" sz="1200">
-                          <a:effectLst/>
-                        </a:rPr>
-                        <a:t>-F-</a:t>
-                      </a:r>
-                      <a:r>
-                        <a:rPr lang="id-ID" sz="1200">
-                          <a:effectLst/>
-                        </a:rPr>
-                        <a:t>06</a:t>
-                      </a:r>
-                      <a:endParaRPr lang="id-ID" sz="1000">
-                        <a:effectLst/>
-                        <a:latin typeface="Times New Roman"/>
-                        <a:ea typeface="Times New Roman"/>
-                      </a:endParaRPr>
-                    </a:p>
-                  </a:txBody>
-                  <a:tcPr marL="68580" marR="68580" marT="0" marB="0"/>
-                </a:tc>
-                <a:tc>
-                  <a:txBody>
-                    <a:bodyPr/>
-                    <a:lstStyle/>
-                    <a:p>
-                      <a:pPr algn="just">
-                        <a:lnSpc>
-                          <a:spcPct val="115000"/>
-                        </a:lnSpc>
-                        <a:spcAft>
-                          <a:spcPts val="0"/>
-                        </a:spcAft>
-                      </a:pPr>
-                      <a:r>
-                        <a:rPr lang="en-GB" sz="1200">
-                          <a:effectLst/>
-                        </a:rPr>
-                        <a:t>Sistem dapat menampilkan </a:t>
-                      </a:r>
-                      <a:r>
-                        <a:rPr lang="id-ID" sz="1200">
-                          <a:effectLst/>
-                        </a:rPr>
-                        <a:t>Form Pengaturan</a:t>
-                      </a:r>
-                      <a:endParaRPr lang="id-ID" sz="1000">
-                        <a:effectLst/>
-                        <a:latin typeface="Times New Roman"/>
-                        <a:ea typeface="Times New Roman"/>
-                      </a:endParaRPr>
-                    </a:p>
-                  </a:txBody>
-                  <a:tcPr marL="68580" marR="68580" marT="0" marB="0"/>
-                </a:tc>
-                <a:tc>
-                  <a:txBody>
-                    <a:bodyPr/>
-                    <a:lstStyle/>
-                    <a:p>
-                      <a:pPr algn="just">
-                        <a:lnSpc>
-                          <a:spcPct val="115000"/>
-                        </a:lnSpc>
-                        <a:spcAft>
-                          <a:spcPts val="0"/>
-                        </a:spcAft>
-                      </a:pPr>
+                        <a:rPr lang="en-US" sz="1200" dirty="0">
+                          <a:effectLst/>
+                        </a:rPr>
+                        <a:t>me</a:t>
+                      </a:r>
                       <a:r>
                         <a:rPr lang="id-ID" sz="1200" dirty="0">
                           <a:effectLst/>
                         </a:rPr>
-                        <a:t>Sistem dapat </a:t>
-                      </a:r>
-                      <a:r>
-                        <a:rPr lang="en-US" sz="1200" dirty="0">
-                          <a:effectLst/>
-                        </a:rPr>
-                        <a:t>me</a:t>
-                      </a:r>
-                      <a:r>
-                        <a:rPr lang="id-ID" sz="1200" dirty="0">
-                          <a:effectLst/>
-                        </a:rPr>
-                        <a:t>nampilkan pengaturan aplikasi</a:t>
+                        <a:t>nampilkan pengaturan </a:t>
+                      </a:r>
+                      <a:r>
+                        <a:rPr lang="id-ID" sz="1200" dirty="0" smtClean="0">
+                          <a:effectLst/>
+                        </a:rPr>
+                        <a:t>aplikasi sesuai</a:t>
+                      </a:r>
+                      <a:r>
+                        <a:rPr lang="id-ID" sz="1200" baseline="0" dirty="0" smtClean="0">
+                          <a:effectLst/>
+                        </a:rPr>
+                        <a:t> keinginan user</a:t>
                       </a:r>
                       <a:endParaRPr lang="id-ID" sz="1000" dirty="0">
                         <a:effectLst/>
@@ -5532,15 +5545,32 @@
           </a:p>
         </p:txBody>
       </p:sp>
+      <p:sp>
+        <p:nvSpPr>
+          <p:cNvPr id="5" name="Content Placeholder 4"/>
+          <p:cNvSpPr>
+            <a:spLocks noGrp="1"/>
+          </p:cNvSpPr>
+          <p:nvPr>
+            <p:ph idx="1"/>
+          </p:nvPr>
+        </p:nvSpPr>
+        <p:spPr/>
+        <p:txBody>
+          <a:bodyPr/>
+          <a:lstStyle/>
+          <a:p>
+            <a:endParaRPr lang="id-ID"/>
+          </a:p>
+        </p:txBody>
+      </p:sp>
       <p:pic>
         <p:nvPicPr>
-          <p:cNvPr id="4" name="Content Placeholder 3"/>
+          <p:cNvPr id="1030" name="Picture 6" descr="D:\Data\Tugas Kuliah\Semester 5\Praktikum RPLL\Tubes--IFG--1127050059--1127050043\use case tubes rpll.JPG"/>
           <p:cNvPicPr>
-            <a:picLocks noGrp="1" noChangeAspect="1"/>
+            <a:picLocks noChangeAspect="1" noChangeArrowheads="1"/>
           </p:cNvPicPr>
-          <p:nvPr>
-            <p:ph idx="1"/>
-          </p:nvPr>
+          <p:nvPr/>
         </p:nvPicPr>
         <p:blipFill>
           <a:blip r:embed="rId2">
@@ -5550,15 +5580,29 @@
               </a:ext>
             </a:extLst>
           </a:blip>
+          <a:srcRect/>
           <a:stretch>
             <a:fillRect/>
           </a:stretch>
         </p:blipFill>
-        <p:spPr>
+        <p:spPr bwMode="auto">
           <a:xfrm>
-            <a:off x="899592" y="1711572"/>
-            <a:ext cx="7104394" cy="4237708"/>
+            <a:off x="1194604" y="1484784"/>
+            <a:ext cx="6833780" cy="4128293"/>
           </a:xfrm>
+          <a:prstGeom prst="rect">
+            <a:avLst/>
+          </a:prstGeom>
+          <a:noFill/>
+          <a:extLst>
+            <a:ext uri="{909E8E84-426E-40DD-AFC4-6F175D3DCCD1}">
+              <a14:hiddenFill xmlns:a14="http://schemas.microsoft.com/office/drawing/2010/main">
+                <a:solidFill>
+                  <a:srgbClr val="FFFFFF"/>
+                </a:solidFill>
+              </a14:hiddenFill>
+            </a:ext>
+          </a:extLst>
         </p:spPr>
       </p:pic>
     </p:spTree>
@@ -5628,9 +5672,9 @@
       </p:sp>
       <p:pic>
         <p:nvPicPr>
-          <p:cNvPr id="4" name="Content Placeholder 3"/>
+          <p:cNvPr id="2050" name="Picture 2" descr="C:\Users\M_FIKRUL\Pictures\class diagram tubes.JPG"/>
           <p:cNvPicPr>
-            <a:picLocks noGrp="1" noChangeAspect="1"/>
+            <a:picLocks noGrp="1" noChangeAspect="1" noChangeArrowheads="1"/>
           </p:cNvPicPr>
           <p:nvPr>
             <p:ph idx="1"/>
@@ -5644,15 +5688,29 @@
               </a:ext>
             </a:extLst>
           </a:blip>
+          <a:srcRect/>
           <a:stretch>
             <a:fillRect/>
           </a:stretch>
         </p:blipFill>
-        <p:spPr>
+        <p:spPr bwMode="auto">
           <a:xfrm>
-            <a:off x="827584" y="1340768"/>
-            <a:ext cx="7272808" cy="4767051"/>
+            <a:off x="1115616" y="1268760"/>
+            <a:ext cx="7017259" cy="4560540"/>
           </a:xfrm>
+          <a:prstGeom prst="rect">
+            <a:avLst/>
+          </a:prstGeom>
+          <a:noFill/>
+          <a:extLst>
+            <a:ext uri="{909E8E84-426E-40DD-AFC4-6F175D3DCCD1}">
+              <a14:hiddenFill xmlns:a14="http://schemas.microsoft.com/office/drawing/2010/main">
+                <a:solidFill>
+                  <a:srgbClr val="FFFFFF"/>
+                </a:solidFill>
+              </a14:hiddenFill>
+            </a:ext>
+          </a:extLst>
         </p:spPr>
       </p:pic>
     </p:spTree>
@@ -5722,7 +5780,7 @@
       </p:sp>
       <p:graphicFrame>
         <p:nvGraphicFramePr>
-          <p:cNvPr id="4" name="Content Placeholder 3"/>
+          <p:cNvPr id="5" name="Content Placeholder 4"/>
           <p:cNvGraphicFramePr>
             <a:graphicFrameLocks noGrp="1"/>
           </p:cNvGraphicFramePr>
@@ -5730,67 +5788,45 @@
             <p:ph idx="1"/>
             <p:extLst>
               <p:ext uri="{D42A27DB-BD31-4B8C-83A1-F6EECF244321}">
-                <p14:modId xmlns:p14="http://schemas.microsoft.com/office/powerpoint/2010/main" val="660919846"/>
+                <p14:modId xmlns:p14="http://schemas.microsoft.com/office/powerpoint/2010/main" val="3678829921"/>
               </p:ext>
             </p:extLst>
           </p:nvPr>
         </p:nvGraphicFramePr>
         <p:xfrm>
-          <a:off x="971600" y="2132856"/>
-          <a:ext cx="7128792" cy="3672406"/>
+          <a:off x="1259632" y="2132856"/>
+          <a:ext cx="6480720" cy="3456383"/>
         </p:xfrm>
         <a:graphic>
           <a:graphicData uri="http://schemas.openxmlformats.org/drawingml/2006/table">
             <a:tbl>
-              <a:tblPr>
+              <a:tblPr firstRow="1" firstCol="1" bandRow="1">
                 <a:tableStyleId>{5C22544A-7EE6-4342-B048-85BDC9FD1C3A}</a:tableStyleId>
               </a:tblPr>
               <a:tblGrid>
-                <a:gridCol w="1551130"/>
-                <a:gridCol w="1297641"/>
-                <a:gridCol w="4280021"/>
+                <a:gridCol w="551667"/>
+                <a:gridCol w="1984910"/>
+                <a:gridCol w="3944143"/>
               </a:tblGrid>
-              <a:tr h="333855">
+              <a:tr h="493769">
                 <a:tc>
                   <a:txBody>
                     <a:bodyPr/>
                     <a:lstStyle/>
                     <a:p>
                       <a:pPr algn="just">
+                        <a:lnSpc>
+                          <a:spcPct val="150000"/>
+                        </a:lnSpc>
                         <a:spcAft>
                           <a:spcPts val="0"/>
                         </a:spcAft>
                       </a:pPr>
                       <a:r>
-                        <a:rPr lang="id-ID" sz="1200" dirty="0">
-                          <a:effectLst/>
-                        </a:rPr>
-                        <a:t>ID</a:t>
-                      </a:r>
-                      <a:endParaRPr lang="id-ID" sz="1000" dirty="0">
-                        <a:effectLst/>
-                        <a:latin typeface="Times New Roman"/>
-                        <a:ea typeface="Times New Roman"/>
-                      </a:endParaRPr>
-                    </a:p>
-                  </a:txBody>
-                  <a:tcPr marL="68580" marR="68580" marT="0" marB="0"/>
-                </a:tc>
-                <a:tc>
-                  <a:txBody>
-                    <a:bodyPr/>
-                    <a:lstStyle/>
-                    <a:p>
-                      <a:pPr algn="just">
-                        <a:spcAft>
-                          <a:spcPts val="0"/>
-                        </a:spcAft>
-                      </a:pPr>
-                      <a:r>
-                        <a:rPr lang="en-GB" sz="1200">
-                          <a:effectLst/>
-                        </a:rPr>
-                        <a:t>Parameter</a:t>
+                        <a:rPr lang="id-ID" sz="1200">
+                          <a:effectLst/>
+                        </a:rPr>
+                        <a:t>No</a:t>
                       </a:r>
                       <a:endParaRPr lang="id-ID" sz="1000">
                         <a:effectLst/>
@@ -5807,6 +5843,9 @@
                     <a:lstStyle/>
                     <a:p>
                       <a:pPr algn="just">
+                        <a:lnSpc>
+                          <a:spcPct val="150000"/>
+                        </a:lnSpc>
                         <a:spcAft>
                           <a:spcPts val="0"/>
                         </a:spcAft>
@@ -5815,34 +5854,7 @@
                         <a:rPr lang="id-ID" sz="1200">
                           <a:effectLst/>
                         </a:rPr>
-                        <a:t>Kebutuhan</a:t>
-                      </a:r>
-                      <a:endParaRPr lang="id-ID" sz="1000">
-                        <a:effectLst/>
-                        <a:latin typeface="Times New Roman"/>
-                        <a:ea typeface="Times New Roman"/>
-                      </a:endParaRPr>
-                    </a:p>
-                  </a:txBody>
-                  <a:tcPr marL="68580" marR="68580" marT="0" marB="0"/>
-                </a:tc>
-              </a:tr>
-              <a:tr h="333855">
-                <a:tc>
-                  <a:txBody>
-                    <a:bodyPr/>
-                    <a:lstStyle/>
-                    <a:p>
-                      <a:pPr algn="just">
-                        <a:spcAft>
-                          <a:spcPts val="0"/>
-                        </a:spcAft>
-                      </a:pPr>
-                      <a:r>
-                        <a:rPr lang="id-ID" sz="1200">
-                          <a:effectLst/>
-                        </a:rPr>
-                        <a:t>AQSP-NF-001</a:t>
+                        <a:t>Nama</a:t>
                       </a:r>
                       <a:endParaRPr lang="id-ID" sz="1000">
                         <a:effectLst/>
@@ -5859,15 +5871,48 @@
                     <a:lstStyle/>
                     <a:p>
                       <a:pPr algn="just">
+                        <a:lnSpc>
+                          <a:spcPct val="150000"/>
+                        </a:lnSpc>
                         <a:spcAft>
                           <a:spcPts val="0"/>
                         </a:spcAft>
                       </a:pPr>
                       <a:r>
-                        <a:rPr lang="en-GB" sz="1200">
-                          <a:effectLst/>
-                        </a:rPr>
-                        <a:t>Availability</a:t>
+                        <a:rPr lang="id-ID" sz="1200">
+                          <a:effectLst/>
+                        </a:rPr>
+                        <a:t>Keterangan</a:t>
+                      </a:r>
+                      <a:endParaRPr lang="id-ID" sz="1000">
+                        <a:effectLst/>
+                        <a:latin typeface="Times New Roman"/>
+                        <a:ea typeface="Times New Roman"/>
+                      </a:endParaRPr>
+                    </a:p>
+                  </a:txBody>
+                  <a:tcPr marL="68580" marR="68580" marT="0" marB="0"/>
+                </a:tc>
+              </a:tr>
+              <a:tr h="493769">
+                <a:tc>
+                  <a:txBody>
+                    <a:bodyPr/>
+                    <a:lstStyle/>
+                    <a:p>
+                      <a:pPr algn="just">
+                        <a:lnSpc>
+                          <a:spcPct val="150000"/>
+                        </a:lnSpc>
+                        <a:spcAft>
+                          <a:spcPts val="0"/>
+                        </a:spcAft>
+                      </a:pPr>
+                      <a:r>
+                        <a:rPr lang="id-ID" sz="1200">
+                          <a:effectLst/>
+                        </a:rPr>
+                        <a:t>1</a:t>
                       </a:r>
                       <a:endParaRPr lang="id-ID" sz="1000">
                         <a:effectLst/>
@@ -5884,6 +5929,9 @@
                     <a:lstStyle/>
                     <a:p>
                       <a:pPr algn="just">
+                        <a:lnSpc>
+                          <a:spcPct val="150000"/>
+                        </a:lnSpc>
                         <a:spcAft>
                           <a:spcPts val="0"/>
                         </a:spcAft>
@@ -5892,34 +5940,7 @@
                         <a:rPr lang="id-ID" sz="1200">
                           <a:effectLst/>
                         </a:rPr>
-                        <a:t>24 Jam sehari, 7 hari Seminggu</a:t>
-                      </a:r>
-                      <a:endParaRPr lang="id-ID" sz="1000">
-                        <a:effectLst/>
-                        <a:latin typeface="Times New Roman"/>
-                        <a:ea typeface="Times New Roman"/>
-                      </a:endParaRPr>
-                    </a:p>
-                  </a:txBody>
-                  <a:tcPr marL="68580" marR="68580" marT="0" marB="0"/>
-                </a:tc>
-              </a:tr>
-              <a:tr h="333855">
-                <a:tc>
-                  <a:txBody>
-                    <a:bodyPr/>
-                    <a:lstStyle/>
-                    <a:p>
-                      <a:pPr algn="just">
-                        <a:spcAft>
-                          <a:spcPts val="0"/>
-                        </a:spcAft>
-                      </a:pPr>
-                      <a:r>
-                        <a:rPr lang="id-ID" sz="1200">
-                          <a:effectLst/>
-                        </a:rPr>
-                        <a:t>AQSP-NF-002</a:t>
+                        <a:t>Form Awal</a:t>
                       </a:r>
                       <a:endParaRPr lang="id-ID" sz="1000">
                         <a:effectLst/>
@@ -5936,15 +5957,48 @@
                     <a:lstStyle/>
                     <a:p>
                       <a:pPr algn="just">
+                        <a:lnSpc>
+                          <a:spcPct val="150000"/>
+                        </a:lnSpc>
                         <a:spcAft>
                           <a:spcPts val="0"/>
                         </a:spcAft>
                       </a:pPr>
                       <a:r>
-                        <a:rPr lang="en-GB" sz="1200">
-                          <a:effectLst/>
-                        </a:rPr>
-                        <a:t>Reliability</a:t>
+                        <a:rPr lang="id-ID" sz="1200">
+                          <a:effectLst/>
+                        </a:rPr>
+                        <a:t>Untuk Proses Awal Masuk ke Aplikasi</a:t>
+                      </a:r>
+                      <a:endParaRPr lang="id-ID" sz="1000">
+                        <a:effectLst/>
+                        <a:latin typeface="Times New Roman"/>
+                        <a:ea typeface="Times New Roman"/>
+                      </a:endParaRPr>
+                    </a:p>
+                  </a:txBody>
+                  <a:tcPr marL="68580" marR="68580" marT="0" marB="0"/>
+                </a:tc>
+              </a:tr>
+              <a:tr h="493769">
+                <a:tc>
+                  <a:txBody>
+                    <a:bodyPr/>
+                    <a:lstStyle/>
+                    <a:p>
+                      <a:pPr algn="just">
+                        <a:lnSpc>
+                          <a:spcPct val="150000"/>
+                        </a:lnSpc>
+                        <a:spcAft>
+                          <a:spcPts val="0"/>
+                        </a:spcAft>
+                      </a:pPr>
+                      <a:r>
+                        <a:rPr lang="id-ID" sz="1200">
+                          <a:effectLst/>
+                        </a:rPr>
+                        <a:t>2</a:t>
                       </a:r>
                       <a:endParaRPr lang="id-ID" sz="1000">
                         <a:effectLst/>
@@ -5961,6 +6015,9 @@
                     <a:lstStyle/>
                     <a:p>
                       <a:pPr algn="just">
+                        <a:lnSpc>
+                          <a:spcPct val="150000"/>
+                        </a:lnSpc>
                         <a:spcAft>
                           <a:spcPts val="0"/>
                         </a:spcAft>
@@ -5969,34 +6026,7 @@
                         <a:rPr lang="id-ID" sz="1200">
                           <a:effectLst/>
                         </a:rPr>
-                        <a:t>Tak Pernah Gagal</a:t>
-                      </a:r>
-                      <a:endParaRPr lang="id-ID" sz="1000">
-                        <a:effectLst/>
-                        <a:latin typeface="Times New Roman"/>
-                        <a:ea typeface="Times New Roman"/>
-                      </a:endParaRPr>
-                    </a:p>
-                  </a:txBody>
-                  <a:tcPr marL="68580" marR="68580" marT="0" marB="0"/>
-                </a:tc>
-              </a:tr>
-              <a:tr h="333855">
-                <a:tc>
-                  <a:txBody>
-                    <a:bodyPr/>
-                    <a:lstStyle/>
-                    <a:p>
-                      <a:pPr algn="just">
-                        <a:spcAft>
-                          <a:spcPts val="0"/>
-                        </a:spcAft>
-                      </a:pPr>
-                      <a:r>
-                        <a:rPr lang="id-ID" sz="1200">
-                          <a:effectLst/>
-                        </a:rPr>
-                        <a:t>N/A</a:t>
+                        <a:t>Form Menu</a:t>
                       </a:r>
                       <a:endParaRPr lang="id-ID" sz="1000">
                         <a:effectLst/>
@@ -6013,15 +6043,48 @@
                     <a:lstStyle/>
                     <a:p>
                       <a:pPr algn="just">
+                        <a:lnSpc>
+                          <a:spcPct val="150000"/>
+                        </a:lnSpc>
                         <a:spcAft>
                           <a:spcPts val="0"/>
                         </a:spcAft>
                       </a:pPr>
                       <a:r>
-                        <a:rPr lang="en-GB" sz="1200">
-                          <a:effectLst/>
-                        </a:rPr>
-                        <a:t>Ergonomy</a:t>
+                        <a:rPr lang="id-ID" sz="1200">
+                          <a:effectLst/>
+                        </a:rPr>
+                        <a:t>Untuk Proses Memilih Menu</a:t>
+                      </a:r>
+                      <a:endParaRPr lang="id-ID" sz="1000">
+                        <a:effectLst/>
+                        <a:latin typeface="Times New Roman"/>
+                        <a:ea typeface="Times New Roman"/>
+                      </a:endParaRPr>
+                    </a:p>
+                  </a:txBody>
+                  <a:tcPr marL="68580" marR="68580" marT="0" marB="0"/>
+                </a:tc>
+              </a:tr>
+              <a:tr h="493769">
+                <a:tc>
+                  <a:txBody>
+                    <a:bodyPr/>
+                    <a:lstStyle/>
+                    <a:p>
+                      <a:pPr algn="just">
+                        <a:lnSpc>
+                          <a:spcPct val="150000"/>
+                        </a:lnSpc>
+                        <a:spcAft>
+                          <a:spcPts val="0"/>
+                        </a:spcAft>
+                      </a:pPr>
+                      <a:r>
+                        <a:rPr lang="id-ID" sz="1200">
+                          <a:effectLst/>
+                        </a:rPr>
+                        <a:t>3</a:t>
                       </a:r>
                       <a:endParaRPr lang="id-ID" sz="1000">
                         <a:effectLst/>
@@ -6038,6 +6101,9 @@
                     <a:lstStyle/>
                     <a:p>
                       <a:pPr algn="just">
+                        <a:lnSpc>
+                          <a:spcPct val="150000"/>
+                        </a:lnSpc>
                         <a:spcAft>
                           <a:spcPts val="0"/>
                         </a:spcAft>
@@ -6046,34 +6112,7 @@
                         <a:rPr lang="id-ID" sz="1200">
                           <a:effectLst/>
                         </a:rPr>
-                        <a:t>N/A</a:t>
-                      </a:r>
-                      <a:endParaRPr lang="id-ID" sz="1000">
-                        <a:effectLst/>
-                        <a:latin typeface="Times New Roman"/>
-                        <a:ea typeface="Times New Roman"/>
-                      </a:endParaRPr>
-                    </a:p>
-                  </a:txBody>
-                  <a:tcPr marL="68580" marR="68580" marT="0" marB="0"/>
-                </a:tc>
-              </a:tr>
-              <a:tr h="333855">
-                <a:tc>
-                  <a:txBody>
-                    <a:bodyPr/>
-                    <a:lstStyle/>
-                    <a:p>
-                      <a:pPr algn="just">
-                        <a:spcAft>
-                          <a:spcPts val="0"/>
-                        </a:spcAft>
-                      </a:pPr>
-                      <a:r>
-                        <a:rPr lang="id-ID" sz="1200">
-                          <a:effectLst/>
-                        </a:rPr>
-                        <a:t>AQSP-NF-003</a:t>
+                        <a:t>Form Mulai Permainan</a:t>
                       </a:r>
                       <a:endParaRPr lang="id-ID" sz="1000">
                         <a:effectLst/>
@@ -6090,15 +6129,48 @@
                     <a:lstStyle/>
                     <a:p>
                       <a:pPr algn="just">
+                        <a:lnSpc>
+                          <a:spcPct val="150000"/>
+                        </a:lnSpc>
                         <a:spcAft>
                           <a:spcPts val="0"/>
                         </a:spcAft>
                       </a:pPr>
                       <a:r>
-                        <a:rPr lang="en-GB" sz="1200">
-                          <a:effectLst/>
-                        </a:rPr>
-                        <a:t>Portability</a:t>
+                        <a:rPr lang="id-ID" sz="1200">
+                          <a:effectLst/>
+                        </a:rPr>
+                        <a:t>Untuk Memulai Quis</a:t>
+                      </a:r>
+                      <a:endParaRPr lang="id-ID" sz="1000">
+                        <a:effectLst/>
+                        <a:latin typeface="Times New Roman"/>
+                        <a:ea typeface="Times New Roman"/>
+                      </a:endParaRPr>
+                    </a:p>
+                  </a:txBody>
+                  <a:tcPr marL="68580" marR="68580" marT="0" marB="0"/>
+                </a:tc>
+              </a:tr>
+              <a:tr h="493769">
+                <a:tc>
+                  <a:txBody>
+                    <a:bodyPr/>
+                    <a:lstStyle/>
+                    <a:p>
+                      <a:pPr algn="just">
+                        <a:lnSpc>
+                          <a:spcPct val="150000"/>
+                        </a:lnSpc>
+                        <a:spcAft>
+                          <a:spcPts val="0"/>
+                        </a:spcAft>
+                      </a:pPr>
+                      <a:r>
+                        <a:rPr lang="id-ID" sz="1200">
+                          <a:effectLst/>
+                        </a:rPr>
+                        <a:t>4</a:t>
                       </a:r>
                       <a:endParaRPr lang="id-ID" sz="1000">
                         <a:effectLst/>
@@ -6115,6 +6187,9 @@
                     <a:lstStyle/>
                     <a:p>
                       <a:pPr algn="just">
+                        <a:lnSpc>
+                          <a:spcPct val="150000"/>
+                        </a:lnSpc>
                         <a:spcAft>
                           <a:spcPts val="0"/>
                         </a:spcAft>
@@ -6123,34 +6198,7 @@
                         <a:rPr lang="id-ID" sz="1200">
                           <a:effectLst/>
                         </a:rPr>
-                        <a:t>Mudah diadopsi dalam lingkungan Android</a:t>
-                      </a:r>
-                      <a:endParaRPr lang="id-ID" sz="1000">
-                        <a:effectLst/>
-                        <a:latin typeface="Times New Roman"/>
-                        <a:ea typeface="Times New Roman"/>
-                      </a:endParaRPr>
-                    </a:p>
-                  </a:txBody>
-                  <a:tcPr marL="68580" marR="68580" marT="0" marB="0"/>
-                </a:tc>
-              </a:tr>
-              <a:tr h="333855">
-                <a:tc>
-                  <a:txBody>
-                    <a:bodyPr/>
-                    <a:lstStyle/>
-                    <a:p>
-                      <a:pPr algn="just">
-                        <a:spcAft>
-                          <a:spcPts val="0"/>
-                        </a:spcAft>
-                      </a:pPr>
-                      <a:r>
-                        <a:rPr lang="id-ID" sz="1200">
-                          <a:effectLst/>
-                        </a:rPr>
-                        <a:t>N/A</a:t>
+                        <a:t>Form Tentang</a:t>
                       </a:r>
                       <a:endParaRPr lang="id-ID" sz="1000">
                         <a:effectLst/>
@@ -6167,15 +6215,48 @@
                     <a:lstStyle/>
                     <a:p>
                       <a:pPr algn="just">
+                        <a:lnSpc>
+                          <a:spcPct val="150000"/>
+                        </a:lnSpc>
                         <a:spcAft>
                           <a:spcPts val="0"/>
                         </a:spcAft>
                       </a:pPr>
                       <a:r>
-                        <a:rPr lang="en-GB" sz="1200">
-                          <a:effectLst/>
-                        </a:rPr>
-                        <a:t>Memory</a:t>
+                        <a:rPr lang="id-ID" sz="1200">
+                          <a:effectLst/>
+                        </a:rPr>
+                        <a:t>Untuk Melihat Tentang Aplikasi</a:t>
+                      </a:r>
+                      <a:endParaRPr lang="id-ID" sz="1000">
+                        <a:effectLst/>
+                        <a:latin typeface="Times New Roman"/>
+                        <a:ea typeface="Times New Roman"/>
+                      </a:endParaRPr>
+                    </a:p>
+                  </a:txBody>
+                  <a:tcPr marL="68580" marR="68580" marT="0" marB="0"/>
+                </a:tc>
+              </a:tr>
+              <a:tr h="493769">
+                <a:tc>
+                  <a:txBody>
+                    <a:bodyPr/>
+                    <a:lstStyle/>
+                    <a:p>
+                      <a:pPr algn="just">
+                        <a:lnSpc>
+                          <a:spcPct val="150000"/>
+                        </a:lnSpc>
+                        <a:spcAft>
+                          <a:spcPts val="0"/>
+                        </a:spcAft>
+                      </a:pPr>
+                      <a:r>
+                        <a:rPr lang="id-ID" sz="1200">
+                          <a:effectLst/>
+                        </a:rPr>
+                        <a:t>5</a:t>
                       </a:r>
                       <a:endParaRPr lang="id-ID" sz="1000">
                         <a:effectLst/>
@@ -6192,6 +6273,9 @@
                     <a:lstStyle/>
                     <a:p>
                       <a:pPr algn="just">
+                        <a:lnSpc>
+                          <a:spcPct val="150000"/>
+                        </a:lnSpc>
                         <a:spcAft>
                           <a:spcPts val="0"/>
                         </a:spcAft>
@@ -6200,34 +6284,7 @@
                         <a:rPr lang="id-ID" sz="1200">
                           <a:effectLst/>
                         </a:rPr>
-                        <a:t>N/A</a:t>
-                      </a:r>
-                      <a:endParaRPr lang="id-ID" sz="1000">
-                        <a:effectLst/>
-                        <a:latin typeface="Times New Roman"/>
-                        <a:ea typeface="Times New Roman"/>
-                      </a:endParaRPr>
-                    </a:p>
-                  </a:txBody>
-                  <a:tcPr marL="68580" marR="68580" marT="0" marB="0"/>
-                </a:tc>
-              </a:tr>
-              <a:tr h="667711">
-                <a:tc>
-                  <a:txBody>
-                    <a:bodyPr/>
-                    <a:lstStyle/>
-                    <a:p>
-                      <a:pPr algn="just">
-                        <a:spcAft>
-                          <a:spcPts val="0"/>
-                        </a:spcAft>
-                      </a:pPr>
-                      <a:r>
-                        <a:rPr lang="id-ID" sz="1200">
-                          <a:effectLst/>
-                        </a:rPr>
-                        <a:t>AQSP-NF-005</a:t>
+                        <a:t>Form Pengaturan</a:t>
                       </a:r>
                       <a:endParaRPr lang="id-ID" sz="1000">
                         <a:effectLst/>
@@ -6244,40 +6301,18 @@
                     <a:lstStyle/>
                     <a:p>
                       <a:pPr algn="just">
+                        <a:lnSpc>
+                          <a:spcPct val="150000"/>
+                        </a:lnSpc>
                         <a:spcAft>
                           <a:spcPts val="0"/>
                         </a:spcAft>
                       </a:pPr>
                       <a:r>
-                        <a:rPr lang="en-GB" sz="1200" dirty="0">
-                          <a:effectLst/>
-                        </a:rPr>
-                        <a:t>Response time</a:t>
-                      </a:r>
-                      <a:endParaRPr lang="id-ID" sz="1000" dirty="0">
-                        <a:effectLst/>
-                        <a:latin typeface="Times New Roman"/>
-                        <a:ea typeface="Times New Roman"/>
-                      </a:endParaRPr>
-                    </a:p>
-                  </a:txBody>
-                  <a:tcPr marL="68580" marR="68580" marT="0" marB="0"/>
-                </a:tc>
-                <a:tc>
-                  <a:txBody>
-                    <a:bodyPr/>
-                    <a:lstStyle/>
-                    <a:p>
-                      <a:pPr algn="just">
-                        <a:spcAft>
-                          <a:spcPts val="0"/>
-                        </a:spcAft>
-                      </a:pPr>
-                      <a:r>
                         <a:rPr lang="id-ID" sz="1200">
                           <a:effectLst/>
                         </a:rPr>
-                        <a:t>Maksimal Sesuai dengan Spesifikasi Hardware</a:t>
+                        <a:t>Untuk Mengatur Aplikasi</a:t>
                       </a:r>
                       <a:endParaRPr lang="id-ID" sz="1000">
                         <a:effectLst/>
@@ -6289,13 +6324,16 @@
                   <a:tcPr marL="68580" marR="68580" marT="0" marB="0"/>
                 </a:tc>
               </a:tr>
-              <a:tr h="333855">
+              <a:tr h="493769">
                 <a:tc>
                   <a:txBody>
                     <a:bodyPr/>
                     <a:lstStyle/>
                     <a:p>
                       <a:pPr algn="just">
+                        <a:lnSpc>
+                          <a:spcPct val="150000"/>
+                        </a:lnSpc>
                         <a:spcAft>
                           <a:spcPts val="0"/>
                         </a:spcAft>
@@ -6304,7 +6342,7 @@
                         <a:rPr lang="id-ID" sz="1200">
                           <a:effectLst/>
                         </a:rPr>
-                        <a:t>N/A</a:t>
+                        <a:t>6</a:t>
                       </a:r>
                       <a:endParaRPr lang="id-ID" sz="1000">
                         <a:effectLst/>
@@ -6321,15 +6359,18 @@
                     <a:lstStyle/>
                     <a:p>
                       <a:pPr algn="just">
+                        <a:lnSpc>
+                          <a:spcPct val="150000"/>
+                        </a:lnSpc>
                         <a:spcAft>
                           <a:spcPts val="0"/>
                         </a:spcAft>
                       </a:pPr>
                       <a:r>
-                        <a:rPr lang="en-GB" sz="1200">
-                          <a:effectLst/>
-                        </a:rPr>
-                        <a:t>Safety</a:t>
+                        <a:rPr lang="id-ID" sz="1200">
+                          <a:effectLst/>
+                        </a:rPr>
+                        <a:t>Form Peribahasa</a:t>
                       </a:r>
                       <a:endParaRPr lang="id-ID" sz="1000">
                         <a:effectLst/>
@@ -6346,175 +6387,18 @@
                     <a:lstStyle/>
                     <a:p>
                       <a:pPr algn="just">
+                        <a:lnSpc>
+                          <a:spcPct val="150000"/>
+                        </a:lnSpc>
                         <a:spcAft>
                           <a:spcPts val="0"/>
                         </a:spcAft>
                       </a:pPr>
                       <a:r>
-                        <a:rPr lang="en-GB" sz="1200">
-                          <a:effectLst/>
-                        </a:rPr>
-                        <a:t>N/A</a:t>
-                      </a:r>
-                      <a:endParaRPr lang="id-ID" sz="1000">
-                        <a:effectLst/>
-                        <a:latin typeface="Times New Roman"/>
-                        <a:ea typeface="Times New Roman"/>
-                      </a:endParaRPr>
-                    </a:p>
-                  </a:txBody>
-                  <a:tcPr marL="68580" marR="68580" marT="0" marB="0"/>
-                </a:tc>
-              </a:tr>
-              <a:tr h="333855">
-                <a:tc>
-                  <a:txBody>
-                    <a:bodyPr/>
-                    <a:lstStyle/>
-                    <a:p>
-                      <a:pPr algn="just">
-                        <a:spcAft>
-                          <a:spcPts val="0"/>
-                        </a:spcAft>
-                      </a:pPr>
-                      <a:r>
-                        <a:rPr lang="id-ID" sz="1200">
-                          <a:effectLst/>
-                        </a:rPr>
-                        <a:t>N/A</a:t>
-                      </a:r>
-                      <a:endParaRPr lang="id-ID" sz="1000">
-                        <a:effectLst/>
-                        <a:latin typeface="Times New Roman"/>
-                        <a:ea typeface="Times New Roman"/>
-                      </a:endParaRPr>
-                    </a:p>
-                  </a:txBody>
-                  <a:tcPr marL="68580" marR="68580" marT="0" marB="0"/>
-                </a:tc>
-                <a:tc>
-                  <a:txBody>
-                    <a:bodyPr/>
-                    <a:lstStyle/>
-                    <a:p>
-                      <a:pPr algn="just">
-                        <a:spcAft>
-                          <a:spcPts val="0"/>
-                        </a:spcAft>
-                      </a:pPr>
-                      <a:r>
-                        <a:rPr lang="en-GB" sz="1200">
-                          <a:effectLst/>
-                        </a:rPr>
-                        <a:t>Security</a:t>
-                      </a:r>
-                      <a:endParaRPr lang="id-ID" sz="1000">
-                        <a:effectLst/>
-                        <a:latin typeface="Times New Roman"/>
-                        <a:ea typeface="Times New Roman"/>
-                      </a:endParaRPr>
-                    </a:p>
-                  </a:txBody>
-                  <a:tcPr marL="68580" marR="68580" marT="0" marB="0"/>
-                </a:tc>
-                <a:tc>
-                  <a:txBody>
-                    <a:bodyPr/>
-                    <a:lstStyle/>
-                    <a:p>
-                      <a:pPr algn="just">
-                        <a:spcAft>
-                          <a:spcPts val="0"/>
-                        </a:spcAft>
-                      </a:pPr>
-                      <a:r>
-                        <a:rPr lang="id-ID" sz="1200">
-                          <a:effectLst/>
-                        </a:rPr>
-                        <a:t>N/A</a:t>
-                      </a:r>
-                      <a:endParaRPr lang="id-ID" sz="1000">
-                        <a:effectLst/>
-                        <a:latin typeface="Times New Roman"/>
-                        <a:ea typeface="Times New Roman"/>
-                      </a:endParaRPr>
-                    </a:p>
-                  </a:txBody>
-                  <a:tcPr marL="68580" marR="68580" marT="0" marB="0"/>
-                </a:tc>
-              </a:tr>
-              <a:tr h="333855">
-                <a:tc>
-                  <a:txBody>
-                    <a:bodyPr/>
-                    <a:lstStyle/>
-                    <a:p>
-                      <a:pPr algn="just">
-                        <a:spcAft>
-                          <a:spcPts val="0"/>
-                        </a:spcAft>
-                      </a:pPr>
-                      <a:r>
-                        <a:rPr lang="id-ID" sz="1200">
-                          <a:effectLst/>
-                        </a:rPr>
-                        <a:t>AQSP-NF-006</a:t>
-                      </a:r>
-                      <a:endParaRPr lang="id-ID" sz="1000">
-                        <a:effectLst/>
-                        <a:latin typeface="Times New Roman"/>
-                        <a:ea typeface="Times New Roman"/>
-                      </a:endParaRPr>
-                    </a:p>
-                  </a:txBody>
-                  <a:tcPr marL="68580" marR="68580" marT="0" marB="0"/>
-                </a:tc>
-                <a:tc>
-                  <a:txBody>
-                    <a:bodyPr/>
-                    <a:lstStyle/>
-                    <a:p>
-                      <a:pPr algn="just">
-                        <a:spcAft>
-                          <a:spcPts val="0"/>
-                        </a:spcAft>
-                      </a:pPr>
-                      <a:r>
-                        <a:rPr lang="id-ID" sz="1200">
-                          <a:effectLst/>
-                        </a:rPr>
-                        <a:t>K</a:t>
-                      </a:r>
-                      <a:r>
-                        <a:rPr lang="en-GB" sz="1200">
-                          <a:effectLst/>
-                        </a:rPr>
-                        <a:t>omunikasi</a:t>
-                      </a:r>
-                      <a:endParaRPr lang="id-ID" sz="1000">
-                        <a:effectLst/>
-                        <a:latin typeface="Times New Roman"/>
-                        <a:ea typeface="Times New Roman"/>
-                      </a:endParaRPr>
-                    </a:p>
-                  </a:txBody>
-                  <a:tcPr marL="68580" marR="68580" marT="0" marB="0"/>
-                </a:tc>
-                <a:tc>
-                  <a:txBody>
-                    <a:bodyPr/>
-                    <a:lstStyle/>
-                    <a:p>
-                      <a:pPr algn="just">
-                        <a:spcAft>
-                          <a:spcPts val="0"/>
-                        </a:spcAft>
-                      </a:pPr>
-                      <a:r>
                         <a:rPr lang="id-ID" sz="1200" dirty="0">
                           <a:effectLst/>
                         </a:rPr>
-                        <a:t>Bahasa Indonesia</a:t>
+                        <a:t>Untuk Melihat Arti Peribahasa</a:t>
                       </a:r>
                       <a:endParaRPr lang="id-ID" sz="1000" dirty="0">
                         <a:effectLst/>
@@ -6589,7 +6473,7 @@
           <a:p>
             <a:r>
               <a:rPr lang="id-ID" dirty="0" smtClean="0"/>
-              <a:t>Spesifikasi Antarmuka</a:t>
+              <a:t>Antarmuka</a:t>
             </a:r>
             <a:endParaRPr lang="id-ID" dirty="0"/>
           </a:p>
